--- a/powerpoint files/Session3.pptx
+++ b/powerpoint files/Session3.pptx
@@ -10018,7 +10018,7 @@
               </a:tabLst>
             </a:pPr>
             <a:r>
-              <a:rPr lang="en-US" sz="3200" b="0" strike="noStrike" spc="-1">
+              <a:rPr lang="en-US" sz="3200" b="0" strike="noStrike" spc="-1" dirty="0">
                 <a:solidFill>
                   <a:srgbClr val="8B8B8B"/>
                 </a:solidFill>
@@ -10027,7 +10027,7 @@
               </a:rPr>
               <a:t>Irina &amp; Rao</a:t>
             </a:r>
-            <a:endParaRPr lang="en-GB" sz="3200" b="0" strike="noStrike" spc="-1">
+            <a:endParaRPr lang="en-GB" sz="3200" b="0" strike="noStrike" spc="-1" dirty="0">
               <a:latin typeface="Arial"/>
             </a:endParaRPr>
           </a:p>
@@ -10051,9 +10051,19 @@
                 <a:latin typeface="Calibri"/>
                 <a:ea typeface="DejaVu Sans"/>
               </a:rPr>
-              <a:t>Hilary 2022</a:t>
+              <a:t>Trinity </a:t>
             </a:r>
-            <a:endParaRPr lang="en-GB" sz="3200" b="0" strike="noStrike" spc="-1">
+            <a:r>
+              <a:rPr lang="en-US" sz="3200" b="0" strike="noStrike" spc="-1" dirty="0">
+                <a:solidFill>
+                  <a:srgbClr val="8B8B8B"/>
+                </a:solidFill>
+                <a:latin typeface="Calibri"/>
+                <a:ea typeface="DejaVu Sans"/>
+              </a:rPr>
+              <a:t>2022</a:t>
+            </a:r>
+            <a:endParaRPr lang="en-GB" sz="3200" b="0" strike="noStrike" spc="-1" dirty="0">
               <a:latin typeface="Arial"/>
             </a:endParaRPr>
           </a:p>
